--- a/presentations/reofmas_051216.pptx
+++ b/presentations/reofmas_051216.pptx
@@ -6566,11 +6566,11 @@
   <p:clrMapOvr>
     <a:masterClrMapping/>
   </p:clrMapOvr>
-  <mc:AlternateContent xmlns:mc="http://schemas.openxmlformats.org/markup-compatibility/2006">
-    <mc:Choice xmlns:p14="http://schemas.microsoft.com/office/powerpoint/2010/main" Requires="p14">
+  <mc:AlternateContent xmlns:mc="http://schemas.openxmlformats.org/markup-compatibility/2006" xmlns:p14="http://schemas.microsoft.com/office/powerpoint/2010/main">
+    <mc:Choice Requires="p14">
       <p:transition p14:dur="0"/>
     </mc:Choice>
-    <mc:Fallback>
+    <mc:Fallback xmlns="">
       <p:transition/>
     </mc:Fallback>
   </mc:AlternateContent>
@@ -6644,10 +6644,20 @@
             <a:pPr lvl="1"/>
             <a:r>
               <a:rPr lang="tr-TR" dirty="0"/>
-              <a:t>Current focus on classical music, possible extention to Classical vs Modern (Remix)</a:t>
-            </a:r>
-          </a:p>
-          <a:p>
+              <a:t>Current focus on generating short melodies</a:t>
+            </a:r>
+          </a:p>
+          <a:p>
+            <a:pPr lvl="1"/>
+            <a:r>
+              <a:rPr lang="tr-TR" dirty="0"/>
+              <a:t>Making a whole song based on those</a:t>
+            </a:r>
+          </a:p>
+          <a:p>
+            <a:pPr marL="279082" lvl="1" indent="0">
+              <a:buNone/>
+            </a:pPr>
             <a:endParaRPr lang="tr-TR" dirty="0"/>
           </a:p>
           <a:p>
@@ -6689,11 +6699,11 @@
   <p:clrMapOvr>
     <a:masterClrMapping/>
   </p:clrMapOvr>
-  <mc:AlternateContent xmlns:mc="http://schemas.openxmlformats.org/markup-compatibility/2006">
-    <mc:Choice xmlns:p14="http://schemas.microsoft.com/office/powerpoint/2010/main" Requires="p14">
+  <mc:AlternateContent xmlns:mc="http://schemas.openxmlformats.org/markup-compatibility/2006" xmlns:p14="http://schemas.microsoft.com/office/powerpoint/2010/main">
+    <mc:Choice Requires="p14">
       <p:transition p14:dur="0"/>
     </mc:Choice>
-    <mc:Fallback>
+    <mc:Fallback xmlns="">
       <p:transition/>
     </mc:Fallback>
   </mc:AlternateContent>
@@ -6757,13 +6767,8 @@
           <a:p>
             <a:r>
               <a:rPr lang="tr-TR" dirty="0"/>
-              <a:t>Repository setup			</a:t>
-            </a:r>
-            <a:r>
-              <a:rPr lang="tr-TR" dirty="0"/>
-              <a:t> 	✓</a:t>
-            </a:r>
-            <a:endParaRPr lang="tr-TR" dirty="0"/>
+              <a:t>Repository setup			 	✓</a:t>
+            </a:r>
           </a:p>
           <a:p>
             <a:pPr lvl="1"/>
@@ -6775,25 +6780,13 @@
           <a:p>
             <a:r>
               <a:rPr lang="tr-TR" dirty="0"/>
-              <a:t>Virtual environment				</a:t>
-            </a:r>
+              <a:t>Virtual environment				 ✓ </a:t>
+            </a:r>
+          </a:p>
+          <a:p>
             <a:r>
               <a:rPr lang="tr-TR" dirty="0"/>
-              <a:t> ✓</a:t>
-            </a:r>
-            <a:r>
-              <a:rPr lang="tr-TR" dirty="0"/>
-              <a:t> </a:t>
-            </a:r>
-          </a:p>
-          <a:p>
-            <a:r>
-              <a:rPr lang="tr-TR" dirty="0"/>
-              <a:t>3rd Party Library Installations			</a:t>
-            </a:r>
-            <a:r>
-              <a:rPr lang="tr-TR" dirty="0"/>
-              <a:t> ✓</a:t>
+              <a:t>3rd Party Library Installations			 ✓</a:t>
             </a:r>
           </a:p>
           <a:p>
@@ -6832,11 +6825,11 @@
   <p:clrMapOvr>
     <a:masterClrMapping/>
   </p:clrMapOvr>
-  <mc:AlternateContent xmlns:mc="http://schemas.openxmlformats.org/markup-compatibility/2006">
-    <mc:Choice xmlns:p14="http://schemas.microsoft.com/office/powerpoint/2010/main" Requires="p14">
+  <mc:AlternateContent xmlns:mc="http://schemas.openxmlformats.org/markup-compatibility/2006" xmlns:p14="http://schemas.microsoft.com/office/powerpoint/2010/main">
+    <mc:Choice Requires="p14">
       <p:transition p14:dur="0"/>
     </mc:Choice>
-    <mc:Fallback>
+    <mc:Fallback xmlns="">
       <p:transition/>
     </mc:Fallback>
   </mc:AlternateContent>
@@ -6905,19 +6898,14 @@
           <a:p>
             <a:r>
               <a:rPr lang="tr-TR" dirty="0"/>
-              <a:t>Parsing compositions from MIDI files	</a:t>
-            </a:r>
+              <a:t>Parsing compositions from MIDI files	✓</a:t>
+            </a:r>
+          </a:p>
+          <a:p>
+            <a:pPr lvl="1"/>
             <a:r>
               <a:rPr lang="tr-TR" dirty="0"/>
-              <a:t>✓</a:t>
-            </a:r>
-            <a:endParaRPr lang="tr-TR" dirty="0"/>
-          </a:p>
-          <a:p>
-            <a:pPr lvl="1"/>
-            <a:r>
-              <a:rPr lang="tr-TR" dirty="0"/>
-              <a:t>Music21 library and some problems and manual installation </a:t>
+              <a:t>Music21 library and some problems - manual installation </a:t>
             </a:r>
             <a:r>
               <a:rPr lang="tr-TR" dirty="0">
@@ -6927,64 +6915,50 @@
             </a:r>
           </a:p>
           <a:p>
+            <a:r>
+              <a:rPr lang="tr-TR" dirty="0"/>
+              <a:t>Representation of the musical composition is HARD!</a:t>
+            </a:r>
+          </a:p>
+          <a:p>
             <a:pPr lvl="1"/>
+            <a:r>
+              <a:rPr lang="tr-TR" dirty="0"/>
+              <a:t>There are many variables to consider: </a:t>
+            </a:r>
+          </a:p>
+          <a:p>
+            <a:pPr lvl="2"/>
+            <a:r>
+              <a:rPr lang="tr-TR" dirty="0"/>
+              <a:t>Note, duration, pitch, motif, chroma, key, loudness, mode, tempo, timbre ... and possibly more.</a:t>
+            </a:r>
+          </a:p>
+          <a:p>
+            <a:pPr lvl="1"/>
+            <a:r>
+              <a:rPr lang="tr-TR" dirty="0"/>
+              <a:t>Current FOCUS (one step a time) 		✓</a:t>
+            </a:r>
+          </a:p>
+          <a:p>
+            <a:pPr lvl="2"/>
+            <a:r>
+              <a:rPr lang="tr-TR" dirty="0"/>
+              <a:t>Markov Chain states = Note &amp; Duration 	✓</a:t>
+            </a:r>
+          </a:p>
+          <a:p>
+            <a:pPr lvl="2"/>
             <a:r>
               <a:rPr lang="tr-TR" dirty="0">
                 <a:sym typeface="Wingdings" panose="05000000000000000000" pitchFamily="2" charset="2"/>
               </a:rPr>
-              <a:t>Classical music composers using similar keys e.g. Bach</a:t>
-            </a:r>
-          </a:p>
-          <a:p>
-            <a:pPr lvl="2"/>
-            <a:r>
-              <a:rPr lang="tr-TR" dirty="0">
-                <a:sym typeface="Wingdings" panose="05000000000000000000" pitchFamily="2" charset="2"/>
-              </a:rPr>
-              <a:t>C Major, simple, no sharp, no flat</a:t>
-            </a:r>
-            <a:endParaRPr lang="tr-TR" dirty="0"/>
-          </a:p>
-          <a:p>
+              <a:t>All songs are transposed to the same key	</a:t>
+            </a:r>
             <a:r>
               <a:rPr lang="tr-TR" dirty="0"/>
-              <a:t>Representation of the musical composition is HARD!</a:t>
-            </a:r>
-          </a:p>
-          <a:p>
-            <a:pPr lvl="1"/>
-            <a:r>
-              <a:rPr lang="tr-TR" dirty="0"/>
-              <a:t>There are many variables to consider: </a:t>
-            </a:r>
-          </a:p>
-          <a:p>
-            <a:pPr lvl="2"/>
-            <a:r>
-              <a:rPr lang="tr-TR" dirty="0"/>
-              <a:t>Note, duration, pitch, motif, chroma, key, loudness, mode, tempo, timbre ... and possibly more.</a:t>
-            </a:r>
-          </a:p>
-          <a:p>
-            <a:pPr lvl="1"/>
-            <a:r>
-              <a:rPr lang="tr-TR" dirty="0"/>
-              <a:t>Current FOCUS (one step a time) 		</a:t>
-            </a:r>
-            <a:r>
-              <a:rPr lang="tr-TR" dirty="0"/>
-              <a:t>✓</a:t>
-            </a:r>
-          </a:p>
-          <a:p>
-            <a:pPr lvl="2"/>
-            <a:r>
-              <a:rPr lang="tr-TR" dirty="0"/>
-              <a:t>Markov Chain states = Note &amp; Duration 	</a:t>
-            </a:r>
-            <a:r>
-              <a:rPr lang="tr-TR" dirty="0"/>
-              <a:t>✓</a:t>
+              <a:t> ✓</a:t>
             </a:r>
             <a:endParaRPr lang="tr-TR" dirty="0"/>
           </a:p>
@@ -7015,11 +6989,11 @@
   <p:clrMapOvr>
     <a:masterClrMapping/>
   </p:clrMapOvr>
-  <mc:AlternateContent xmlns:mc="http://schemas.openxmlformats.org/markup-compatibility/2006">
-    <mc:Choice xmlns:p14="http://schemas.microsoft.com/office/powerpoint/2010/main" Requires="p14">
+  <mc:AlternateContent xmlns:mc="http://schemas.openxmlformats.org/markup-compatibility/2006" xmlns:p14="http://schemas.microsoft.com/office/powerpoint/2010/main">
+    <mc:Choice Requires="p14">
       <p:transition p14:dur="0"/>
     </mc:Choice>
-    <mc:Fallback>
+    <mc:Fallback xmlns="">
       <p:transition/>
     </mc:Fallback>
   </mc:AlternateContent>
@@ -7094,27 +7068,14 @@
             <a:pPr lvl="1"/>
             <a:r>
               <a:rPr lang="tr-TR" dirty="0"/>
-              <a:t>Value: Zipf’s Law (Monterey Mirror, Manaris et al.) </a:t>
-            </a:r>
+              <a:t>Value: Zipf’s Law (Monterey Mirror, Manaris et al.)  			✓</a:t>
+            </a:r>
+          </a:p>
+          <a:p>
+            <a:pPr lvl="1"/>
             <a:r>
               <a:rPr lang="tr-TR" dirty="0"/>
-              <a:t> 			✓</a:t>
-            </a:r>
-            <a:endParaRPr lang="tr-TR" dirty="0"/>
-          </a:p>
-          <a:p>
-            <a:pPr lvl="1"/>
-            <a:r>
-              <a:rPr lang="tr-TR" dirty="0"/>
-              <a:t>Novelty: String </a:t>
-            </a:r>
-            <a:r>
-              <a:rPr lang="tr-TR" dirty="0"/>
-              <a:t>comparison</a:t>
-            </a:r>
-            <a:r>
-              <a:rPr lang="tr-TR" dirty="0"/>
-              <a:t> methods, pseudo-likelihood?</a:t>
+              <a:t>Novelty: String comparison methods, pseudo-likelihood?</a:t>
             </a:r>
           </a:p>
           <a:p>
@@ -7128,11 +7089,7 @@
             <a:pPr lvl="1"/>
             <a:r>
               <a:rPr lang="tr-TR" dirty="0"/>
-              <a:t>Possible different method to measure surprisingness (</a:t>
-            </a:r>
-            <a:r>
-              <a:rPr lang="tr-TR" dirty="0"/>
-              <a:t>Auidience Agent)</a:t>
+              <a:t>Possible different method to measure surprisingness (Auidience Agent)</a:t>
             </a:r>
           </a:p>
           <a:p>
@@ -7158,7 +7115,6 @@
               <a:rPr lang="tr-TR" dirty="0"/>
               <a:t>Still under consideration</a:t>
             </a:r>
-            <a:endParaRPr lang="tr-TR" dirty="0"/>
           </a:p>
         </p:txBody>
       </p:sp>
@@ -7172,11 +7128,11 @@
   <p:clrMapOvr>
     <a:masterClrMapping/>
   </p:clrMapOvr>
-  <mc:AlternateContent xmlns:mc="http://schemas.openxmlformats.org/markup-compatibility/2006">
-    <mc:Choice xmlns:p14="http://schemas.microsoft.com/office/powerpoint/2010/main" Requires="p14">
+  <mc:AlternateContent xmlns:mc="http://schemas.openxmlformats.org/markup-compatibility/2006" xmlns:p14="http://schemas.microsoft.com/office/powerpoint/2010/main">
+    <mc:Choice Requires="p14">
       <p:transition p14:dur="0"/>
     </mc:Choice>
-    <mc:Fallback>
+    <mc:Fallback xmlns="">
       <p:transition/>
     </mc:Fallback>
   </mc:AlternateContent>
@@ -7262,11 +7218,7 @@
             <a:pPr lvl="1"/>
             <a:r>
               <a:rPr lang="tr-TR" dirty="0"/>
-              <a:t>Avoid </a:t>
-            </a:r>
-            <a:r>
-              <a:rPr lang="tr-TR" dirty="0"/>
-              <a:t>repetitive patterns (let the agents select different states – mutate)</a:t>
+              <a:t>Avoid repetitive patterns (let the agents select different states – mutate)</a:t>
             </a:r>
           </a:p>
           <a:p>
@@ -7286,7 +7238,6 @@
               <a:rPr lang="tr-TR" dirty="0"/>
               <a:t>LIMITED TIME – reconsider wisely</a:t>
             </a:r>
-            <a:endParaRPr lang="tr-TR" dirty="0"/>
           </a:p>
           <a:p>
             <a:pPr marL="279082" lvl="1" indent="0">
@@ -7309,11 +7260,11 @@
   <p:clrMapOvr>
     <a:masterClrMapping/>
   </p:clrMapOvr>
-  <mc:AlternateContent xmlns:mc="http://schemas.openxmlformats.org/markup-compatibility/2006">
-    <mc:Choice xmlns:p14="http://schemas.microsoft.com/office/powerpoint/2010/main" Requires="p14">
+  <mc:AlternateContent xmlns:mc="http://schemas.openxmlformats.org/markup-compatibility/2006" xmlns:p14="http://schemas.microsoft.com/office/powerpoint/2010/main">
+    <mc:Choice Requires="p14">
       <p:transition p14:dur="0"/>
     </mc:Choice>
-    <mc:Fallback>
+    <mc:Fallback xmlns="">
       <p:transition/>
     </mc:Fallback>
   </mc:AlternateContent>
@@ -7369,11 +7320,11 @@
   <p:clrMapOvr>
     <a:masterClrMapping/>
   </p:clrMapOvr>
-  <mc:AlternateContent xmlns:mc="http://schemas.openxmlformats.org/markup-compatibility/2006">
-    <mc:Choice xmlns:p14="http://schemas.microsoft.com/office/powerpoint/2010/main" Requires="p14">
+  <mc:AlternateContent xmlns:mc="http://schemas.openxmlformats.org/markup-compatibility/2006" xmlns:p14="http://schemas.microsoft.com/office/powerpoint/2010/main">
+    <mc:Choice Requires="p14">
       <p:transition p14:dur="0"/>
     </mc:Choice>
-    <mc:Fallback>
+    <mc:Fallback xmlns="">
       <p:transition/>
     </mc:Fallback>
   </mc:AlternateContent>
